--- a/PPTs/03-Angular-Development.pptx
+++ b/PPTs/03-Angular-Development.pptx
@@ -6680,7 +6680,7 @@
           <a:p>
             <a:fld id="{0C83B9FC-C259-489D-84D0-96210BF30BB8}" type="datetimeFigureOut">
               <a:rPr lang="en-US" smtClean="0"/>
-              <a:t>3/30/2020</a:t>
+              <a:t>6/22/2020</a:t>
             </a:fld>
             <a:endParaRPr lang="en-US"/>
           </a:p>
@@ -6878,7 +6878,7 @@
           <a:p>
             <a:fld id="{0C83B9FC-C259-489D-84D0-96210BF30BB8}" type="datetimeFigureOut">
               <a:rPr lang="en-US" smtClean="0"/>
-              <a:t>3/30/2020</a:t>
+              <a:t>6/22/2020</a:t>
             </a:fld>
             <a:endParaRPr lang="en-US"/>
           </a:p>
@@ -7086,7 +7086,7 @@
           <a:p>
             <a:fld id="{0C83B9FC-C259-489D-84D0-96210BF30BB8}" type="datetimeFigureOut">
               <a:rPr lang="en-US" smtClean="0"/>
-              <a:t>3/30/2020</a:t>
+              <a:t>6/22/2020</a:t>
             </a:fld>
             <a:endParaRPr lang="en-US"/>
           </a:p>
@@ -7284,7 +7284,7 @@
           <a:p>
             <a:fld id="{0C83B9FC-C259-489D-84D0-96210BF30BB8}" type="datetimeFigureOut">
               <a:rPr lang="en-US" smtClean="0"/>
-              <a:t>3/30/2020</a:t>
+              <a:t>6/22/2020</a:t>
             </a:fld>
             <a:endParaRPr lang="en-US"/>
           </a:p>
@@ -7559,7 +7559,7 @@
           <a:p>
             <a:fld id="{0C83B9FC-C259-489D-84D0-96210BF30BB8}" type="datetimeFigureOut">
               <a:rPr lang="en-US" smtClean="0"/>
-              <a:t>3/30/2020</a:t>
+              <a:t>6/22/2020</a:t>
             </a:fld>
             <a:endParaRPr lang="en-US"/>
           </a:p>
@@ -7824,7 +7824,7 @@
           <a:p>
             <a:fld id="{0C83B9FC-C259-489D-84D0-96210BF30BB8}" type="datetimeFigureOut">
               <a:rPr lang="en-US" smtClean="0"/>
-              <a:t>3/30/2020</a:t>
+              <a:t>6/22/2020</a:t>
             </a:fld>
             <a:endParaRPr lang="en-US"/>
           </a:p>
@@ -8236,7 +8236,7 @@
           <a:p>
             <a:fld id="{0C83B9FC-C259-489D-84D0-96210BF30BB8}" type="datetimeFigureOut">
               <a:rPr lang="en-US" smtClean="0"/>
-              <a:t>3/30/2020</a:t>
+              <a:t>6/22/2020</a:t>
             </a:fld>
             <a:endParaRPr lang="en-US"/>
           </a:p>
@@ -8377,7 +8377,7 @@
           <a:p>
             <a:fld id="{0C83B9FC-C259-489D-84D0-96210BF30BB8}" type="datetimeFigureOut">
               <a:rPr lang="en-US" smtClean="0"/>
-              <a:t>3/30/2020</a:t>
+              <a:t>6/22/2020</a:t>
             </a:fld>
             <a:endParaRPr lang="en-US"/>
           </a:p>
@@ -8490,7 +8490,7 @@
           <a:p>
             <a:fld id="{0C83B9FC-C259-489D-84D0-96210BF30BB8}" type="datetimeFigureOut">
               <a:rPr lang="en-US" smtClean="0"/>
-              <a:t>3/30/2020</a:t>
+              <a:t>6/22/2020</a:t>
             </a:fld>
             <a:endParaRPr lang="en-US"/>
           </a:p>
@@ -8801,7 +8801,7 @@
           <a:p>
             <a:fld id="{0C83B9FC-C259-489D-84D0-96210BF30BB8}" type="datetimeFigureOut">
               <a:rPr lang="en-US" smtClean="0"/>
-              <a:t>3/30/2020</a:t>
+              <a:t>6/22/2020</a:t>
             </a:fld>
             <a:endParaRPr lang="en-US"/>
           </a:p>
@@ -9089,7 +9089,7 @@
           <a:p>
             <a:fld id="{0C83B9FC-C259-489D-84D0-96210BF30BB8}" type="datetimeFigureOut">
               <a:rPr lang="en-US" smtClean="0"/>
-              <a:t>3/30/2020</a:t>
+              <a:t>6/22/2020</a:t>
             </a:fld>
             <a:endParaRPr lang="en-US"/>
           </a:p>
@@ -9330,7 +9330,7 @@
           <a:p>
             <a:fld id="{0C83B9FC-C259-489D-84D0-96210BF30BB8}" type="datetimeFigureOut">
               <a:rPr lang="en-US" smtClean="0"/>
-              <a:t>3/30/2020</a:t>
+              <a:t>6/22/2020</a:t>
             </a:fld>
             <a:endParaRPr lang="en-US"/>
           </a:p>
@@ -10270,8 +10270,12 @@
           </a:p>
           <a:p>
             <a:r>
+              <a:rPr lang="en-US"/>
+              <a:t>Resolvers </a:t>
+            </a:r>
+            <a:r>
               <a:rPr lang="en-US" dirty="0"/>
-              <a:t>Resolves – Is called by Angular automatically when user hits a route and calls the “resolve” method on the service to prevent a route from being activated by the user.</a:t>
+              <a:t>– Is called by Angular automatically when user hits a route and calls the “resolve” method on the service to prevent a route from being activated by the user.</a:t>
             </a:r>
           </a:p>
           <a:p>
